--- a/3. Plan działania.pptx
+++ b/3. Plan działania.pptx
@@ -291,7 +291,7 @@
           <a:p>
             <a:fld id="{C7D94789-F376-4D52-BFA5-A6775343170F}" type="datetimeFigureOut">
               <a:rPr lang="en-150" smtClean="0"/>
-              <a:t>26/11/2022</a:t>
+              <a:t>30/11/2022</a:t>
             </a:fld>
             <a:endParaRPr lang="en-150"/>
           </a:p>
@@ -621,7 +621,7 @@
           <a:p>
             <a:fld id="{C7D94789-F376-4D52-BFA5-A6775343170F}" type="datetimeFigureOut">
               <a:rPr lang="en-150" smtClean="0"/>
-              <a:t>26/11/2022</a:t>
+              <a:t>30/11/2022</a:t>
             </a:fld>
             <a:endParaRPr lang="en-150"/>
           </a:p>
@@ -801,7 +801,7 @@
           <a:p>
             <a:fld id="{C7D94789-F376-4D52-BFA5-A6775343170F}" type="datetimeFigureOut">
               <a:rPr lang="en-150" smtClean="0"/>
-              <a:t>26/11/2022</a:t>
+              <a:t>30/11/2022</a:t>
             </a:fld>
             <a:endParaRPr lang="en-150"/>
           </a:p>
@@ -971,7 +971,7 @@
           <a:p>
             <a:fld id="{C7D94789-F376-4D52-BFA5-A6775343170F}" type="datetimeFigureOut">
               <a:rPr lang="en-150" smtClean="0"/>
-              <a:t>26/11/2022</a:t>
+              <a:t>30/11/2022</a:t>
             </a:fld>
             <a:endParaRPr lang="en-150"/>
           </a:p>
@@ -1248,7 +1248,7 @@
           <a:p>
             <a:fld id="{C7D94789-F376-4D52-BFA5-A6775343170F}" type="datetimeFigureOut">
               <a:rPr lang="en-150" smtClean="0"/>
-              <a:t>26/11/2022</a:t>
+              <a:t>30/11/2022</a:t>
             </a:fld>
             <a:endParaRPr lang="en-150"/>
           </a:p>
@@ -1642,7 +1642,7 @@
           <a:p>
             <a:fld id="{C7D94789-F376-4D52-BFA5-A6775343170F}" type="datetimeFigureOut">
               <a:rPr lang="en-150" smtClean="0"/>
-              <a:t>26/11/2022</a:t>
+              <a:t>30/11/2022</a:t>
             </a:fld>
             <a:endParaRPr lang="en-150"/>
           </a:p>
@@ -2119,7 +2119,7 @@
           <a:p>
             <a:fld id="{C7D94789-F376-4D52-BFA5-A6775343170F}" type="datetimeFigureOut">
               <a:rPr lang="en-150" smtClean="0"/>
-              <a:t>26/11/2022</a:t>
+              <a:t>30/11/2022</a:t>
             </a:fld>
             <a:endParaRPr lang="en-150"/>
           </a:p>
@@ -2237,7 +2237,7 @@
           <a:p>
             <a:fld id="{C7D94789-F376-4D52-BFA5-A6775343170F}" type="datetimeFigureOut">
               <a:rPr lang="en-150" smtClean="0"/>
-              <a:t>26/11/2022</a:t>
+              <a:t>30/11/2022</a:t>
             </a:fld>
             <a:endParaRPr lang="en-150"/>
           </a:p>
@@ -2332,7 +2332,7 @@
           <a:p>
             <a:fld id="{C7D94789-F376-4D52-BFA5-A6775343170F}" type="datetimeFigureOut">
               <a:rPr lang="en-150" smtClean="0"/>
-              <a:t>26/11/2022</a:t>
+              <a:t>30/11/2022</a:t>
             </a:fld>
             <a:endParaRPr lang="en-150"/>
           </a:p>
@@ -2678,7 +2678,7 @@
           <a:p>
             <a:fld id="{C7D94789-F376-4D52-BFA5-A6775343170F}" type="datetimeFigureOut">
               <a:rPr lang="en-150" smtClean="0"/>
-              <a:t>26/11/2022</a:t>
+              <a:t>30/11/2022</a:t>
             </a:fld>
             <a:endParaRPr lang="en-150"/>
           </a:p>
@@ -3066,7 +3066,7 @@
           <a:p>
             <a:fld id="{C7D94789-F376-4D52-BFA5-A6775343170F}" type="datetimeFigureOut">
               <a:rPr lang="en-150" smtClean="0"/>
-              <a:t>26/11/2022</a:t>
+              <a:t>30/11/2022</a:t>
             </a:fld>
             <a:endParaRPr lang="en-150"/>
           </a:p>
@@ -3344,7 +3344,7 @@
           <a:p>
             <a:fld id="{C7D94789-F376-4D52-BFA5-A6775343170F}" type="datetimeFigureOut">
               <a:rPr lang="en-150" smtClean="0"/>
-              <a:t>26/11/2022</a:t>
+              <a:t>30/11/2022</a:t>
             </a:fld>
             <a:endParaRPr lang="en-150"/>
           </a:p>
@@ -4097,7 +4097,7 @@
         <p:spPr>
           <a:xfrm>
             <a:off x="8686800" y="4689932"/>
-            <a:ext cx="2729129" cy="1200329"/>
+            <a:ext cx="2729129" cy="923330"/>
           </a:xfrm>
           <a:prstGeom prst="rect">
             <a:avLst/>
@@ -4112,30 +4112,19 @@
           <a:p>
             <a:r>
               <a:rPr lang="pl-PL" dirty="0"/>
-              <a:t> f1 = x1 - 2*x2 + 3</a:t>
-            </a:r>
-          </a:p>
-          <a:p>
-            <a:r>
-              <a:rPr lang="pl-PL" dirty="0"/>
-              <a:t>  f2 = 2*x1 + x2 - 8</a:t>
-            </a:r>
-          </a:p>
-          <a:p>
-            <a:r>
-              <a:rPr lang="pl-PL" dirty="0"/>
-              <a:t>  </a:t>
-            </a:r>
-            <a:r>
-              <a:rPr lang="en-US" dirty="0"/>
-              <a:t>return </a:t>
-            </a:r>
-            <a:r>
-              <a:rPr lang="pl-PL" dirty="0"/>
-              <a:t>f1**2 + f2**2</a:t>
-            </a:r>
-          </a:p>
-          <a:p>
+              <a:t> </a:t>
+            </a:r>
+            <a:r>
+              <a:rPr lang="en-US" dirty="0"/>
+              <a:t>f(x1,x2) = </a:t>
+            </a:r>
+            <a:br>
+              <a:rPr lang="en-US" dirty="0"/>
+            </a:br>
+            <a:r>
+              <a:rPr lang="en-US" dirty="0"/>
+              <a:t>(x1+2*-x2+3)^2 + (2*x1+x2-8)^2</a:t>
+            </a:r>
             <a:r>
               <a:rPr lang="pl-PL" dirty="0"/>
               <a:t>  </a:t>
@@ -4297,7 +4286,7 @@
         </p:spPr>
         <p:txBody>
           <a:bodyPr>
-            <a:normAutofit/>
+            <a:normAutofit lnSpcReduction="10000"/>
           </a:bodyPr>
           <a:lstStyle/>
           <a:p>
@@ -4349,6 +4338,54 @@
               <a:rPr lang="en-GB" dirty="0" err="1"/>
               <a:t>zamochodami</a:t>
             </a:r>
+            <a:r>
+              <a:rPr lang="en-GB" dirty="0"/>
+              <a:t> </a:t>
+            </a:r>
+            <a:r>
+              <a:rPr lang="en-GB" dirty="0" err="1"/>
+              <a:t>i</a:t>
+            </a:r>
+            <a:r>
+              <a:rPr lang="en-GB" dirty="0"/>
+              <a:t> </a:t>
+            </a:r>
+            <a:r>
+              <a:rPr lang="en-GB" dirty="0" err="1"/>
+              <a:t>pokonywanymi</a:t>
+            </a:r>
+            <a:r>
+              <a:rPr lang="en-GB" dirty="0"/>
+              <a:t> </a:t>
+            </a:r>
+            <a:r>
+              <a:rPr lang="en-GB" dirty="0" err="1"/>
+              <a:t>przez</a:t>
+            </a:r>
+            <a:r>
+              <a:rPr lang="en-GB" dirty="0"/>
+              <a:t> </a:t>
+            </a:r>
+            <a:r>
+              <a:rPr lang="en-GB" dirty="0" err="1"/>
+              <a:t>nie</a:t>
+            </a:r>
+            <a:r>
+              <a:rPr lang="en-GB" dirty="0"/>
+              <a:t> </a:t>
+            </a:r>
+            <a:r>
+              <a:rPr lang="en-GB" dirty="0" err="1"/>
+              <a:t>trasami</a:t>
+            </a:r>
+            <a:r>
+              <a:rPr lang="en-GB" dirty="0"/>
+              <a:t> w </a:t>
+            </a:r>
+            <a:r>
+              <a:rPr lang="en-GB" dirty="0" err="1"/>
+              <a:t>symulacji</a:t>
+            </a:r>
             <a:endParaRPr lang="en-GB" dirty="0"/>
           </a:p>
           <a:p>
@@ -4473,15 +4510,15 @@
             </a:r>
             <a:r>
               <a:rPr lang="en-GB" dirty="0" err="1"/>
+              <a:t>preferencji</a:t>
+            </a:r>
+            <a:r>
+              <a:rPr lang="en-GB" dirty="0"/>
+              <a:t> </a:t>
+            </a:r>
+            <a:r>
+              <a:rPr lang="en-GB" dirty="0" err="1"/>
               <a:t>zachowań</a:t>
-            </a:r>
-            <a:r>
-              <a:rPr lang="en-GB" dirty="0"/>
-              <a:t>, </a:t>
-            </a:r>
-            <a:r>
-              <a:rPr lang="en-GB" dirty="0" err="1"/>
-              <a:t>preferencji</a:t>
             </a:r>
             <a:r>
               <a:rPr lang="en-GB" dirty="0"/>
@@ -4855,10 +4892,15 @@
             <p:ph idx="1"/>
           </p:nvPr>
         </p:nvSpPr>
-        <p:spPr/>
+        <p:spPr>
+          <a:xfrm>
+            <a:off x="1371600" y="2286000"/>
+            <a:ext cx="9888876" cy="3581400"/>
+          </a:xfrm>
+        </p:spPr>
         <p:txBody>
           <a:bodyPr>
-            <a:normAutofit lnSpcReduction="10000"/>
+            <a:normAutofit fontScale="92500" lnSpcReduction="10000"/>
           </a:bodyPr>
           <a:lstStyle/>
           <a:p>
@@ -5002,7 +5044,15 @@
             </a:pPr>
             <a:r>
               <a:rPr lang="en-US" dirty="0" err="1"/>
-              <a:t>Zużycie</a:t>
+              <a:t>Średnie</a:t>
+            </a:r>
+            <a:r>
+              <a:rPr lang="en-US" dirty="0"/>
+              <a:t> </a:t>
+            </a:r>
+            <a:r>
+              <a:rPr lang="en-US" dirty="0" err="1"/>
+              <a:t>zużycie</a:t>
             </a:r>
             <a:r>
               <a:rPr lang="en-US" dirty="0"/>
@@ -5168,7 +5218,7 @@
             </a:r>
             <a:r>
               <a:rPr lang="en-US" dirty="0"/>
-              <a:t> 2-6 100 </a:t>
+              <a:t> 2-6 np. 100 </a:t>
             </a:r>
             <a:r>
               <a:rPr lang="en-US" dirty="0" err="1"/>
@@ -5176,6 +5226,77 @@
             </a:r>
             <a:r>
               <a:rPr lang="en-US" dirty="0"/>
+              <a:t>, </a:t>
+            </a:r>
+            <a:r>
+              <a:rPr lang="en-US" dirty="0" err="1"/>
+              <a:t>przy</a:t>
+            </a:r>
+            <a:r>
+              <a:rPr lang="en-US" dirty="0"/>
+              <a:t> </a:t>
+            </a:r>
+            <a:r>
+              <a:rPr lang="en-US" dirty="0" err="1"/>
+              <a:t>czym</a:t>
+            </a:r>
+            <a:r>
+              <a:rPr lang="en-US" dirty="0"/>
+              <a:t> </a:t>
+            </a:r>
+            <a:r>
+              <a:rPr lang="en-US" dirty="0" err="1"/>
+              <a:t>zachowania</a:t>
+            </a:r>
+            <a:r>
+              <a:rPr lang="en-US" dirty="0"/>
+              <a:t> </a:t>
+            </a:r>
+            <a:r>
+              <a:rPr lang="en-US" dirty="0" err="1"/>
+              <a:t>kierowców</a:t>
+            </a:r>
+            <a:r>
+              <a:rPr lang="en-US" dirty="0"/>
+              <a:t> </a:t>
+            </a:r>
+            <a:r>
+              <a:rPr lang="en-US" dirty="0" err="1"/>
+              <a:t>nie</a:t>
+            </a:r>
+            <a:r>
+              <a:rPr lang="en-US" dirty="0"/>
+              <a:t> </a:t>
+            </a:r>
+            <a:r>
+              <a:rPr lang="en-US" dirty="0" err="1"/>
+              <a:t>są</a:t>
+            </a:r>
+            <a:r>
+              <a:rPr lang="en-US" dirty="0"/>
+              <a:t> </a:t>
+            </a:r>
+            <a:r>
+              <a:rPr lang="en-US" dirty="0" err="1"/>
+              <a:t>losowane</a:t>
+            </a:r>
+            <a:r>
+              <a:rPr lang="en-US" dirty="0"/>
+              <a:t>,</a:t>
+            </a:r>
+            <a:br>
+              <a:rPr lang="en-US" dirty="0"/>
+            </a:br>
+            <a:r>
+              <a:rPr lang="en-US" dirty="0"/>
+              <a:t> a </a:t>
+            </a:r>
+            <a:r>
+              <a:rPr lang="en-US" dirty="0" err="1"/>
+              <a:t>przekazywane</a:t>
+            </a:r>
+            <a:r>
+              <a:rPr lang="en-US" dirty="0"/>
               <a:t> </a:t>
             </a:r>
             <a:r>
@@ -5196,7 +5317,7 @@
             </a:r>
             <a:r>
               <a:rPr lang="en-US" dirty="0" err="1"/>
-              <a:t>nowych</a:t>
+              <a:t>zmodyfikowanych</a:t>
             </a:r>
             <a:r>
               <a:rPr lang="en-US" dirty="0"/>
@@ -7074,7 +7195,12 @@
             <p:ph idx="1"/>
           </p:nvPr>
         </p:nvSpPr>
-        <p:spPr/>
+        <p:spPr>
+          <a:xfrm>
+            <a:off x="755150" y="2357919"/>
+            <a:ext cx="9601200" cy="3581400"/>
+          </a:xfrm>
+        </p:spPr>
         <p:txBody>
           <a:bodyPr>
             <a:normAutofit fontScale="92500" lnSpcReduction="10000"/>
